--- a/_SLIDES/2020_DEEL1/H2- De basiconcepten van cs/H2_3_Variabelen.pptx
+++ b/_SLIDES/2020_DEEL1/H2- De basiconcepten van cs/H2_3_Variabelen.pptx
@@ -5,10 +5,10 @@
     <p:sldMasterId id="2147483684" r:id="rId1"/>
   </p:sldMasterIdLst>
   <p:notesMasterIdLst>
-    <p:notesMasterId r:id="rId15"/>
+    <p:notesMasterId r:id="rId16"/>
   </p:notesMasterIdLst>
   <p:handoutMasterIdLst>
-    <p:handoutMasterId r:id="rId16"/>
+    <p:handoutMasterId r:id="rId17"/>
   </p:handoutMasterIdLst>
   <p:sldIdLst>
     <p:sldId id="289" r:id="rId2"/>
@@ -24,28 +24,29 @@
     <p:sldId id="266" r:id="rId12"/>
     <p:sldId id="267" r:id="rId13"/>
     <p:sldId id="268" r:id="rId14"/>
+    <p:sldId id="330" r:id="rId15"/>
   </p:sldIdLst>
   <p:sldSz cx="12192000" cy="6858000"/>
   <p:notesSz cx="7099300" cy="10234613"/>
   <p:embeddedFontLst>
     <p:embeddedFont>
-      <p:font typeface="Archivo Narrow" panose="020B0506020202020B04" pitchFamily="34" charset="0"/>
-      <p:regular r:id="rId17"/>
-      <p:bold r:id="rId18"/>
-      <p:italic r:id="rId19"/>
+      <p:font typeface="Archivo Narrow" panose="020B0604020202020204" charset="0"/>
+      <p:regular r:id="rId18"/>
+      <p:bold r:id="rId19"/>
+      <p:italic r:id="rId20"/>
     </p:embeddedFont>
     <p:embeddedFont>
-      <p:font typeface="Blogger Sans" panose="02000506030000020004" pitchFamily="50" charset="0"/>
-      <p:regular r:id="rId20"/>
-      <p:bold r:id="rId21"/>
-      <p:italic r:id="rId22"/>
+      <p:font typeface="Blogger Sans" panose="02000506030000020004" charset="0"/>
+      <p:regular r:id="rId21"/>
+      <p:bold r:id="rId22"/>
+      <p:italic r:id="rId23"/>
     </p:embeddedFont>
     <p:embeddedFont>
       <p:font typeface="Calibri" panose="020F0502020204030204" pitchFamily="34" charset="0"/>
-      <p:regular r:id="rId23"/>
-      <p:bold r:id="rId24"/>
-      <p:italic r:id="rId25"/>
-      <p:boldItalic r:id="rId26"/>
+      <p:regular r:id="rId24"/>
+      <p:bold r:id="rId25"/>
+      <p:italic r:id="rId26"/>
+      <p:boldItalic r:id="rId27"/>
     </p:embeddedFont>
   </p:embeddedFontLst>
   <p:defaultTextStyle>
@@ -6011,7 +6012,7 @@
           <a:p>
             <a:fld id="{85EE1F57-E73E-475C-872F-886F27274373}" type="datetimeFigureOut">
               <a:rPr lang="nl-BE" smtClean="0"/>
-              <a:t>16/09/2020</a:t>
+              <a:t>2/05/2023</a:t>
             </a:fld>
             <a:endParaRPr lang="nl-BE"/>
           </a:p>
@@ -6176,7 +6177,7 @@
           <a:p>
             <a:fld id="{E0BBF532-A5DD-4E27-82A5-D972027CDA5D}" type="datetimeFigureOut">
               <a:rPr lang="nl-BE" smtClean="0"/>
-              <a:t>16/09/2020</a:t>
+              <a:t>2/05/2023</a:t>
             </a:fld>
             <a:endParaRPr lang="nl-BE"/>
           </a:p>
@@ -6699,7 +6700,7 @@
           <a:p>
             <a:fld id="{13F52934-E233-411B-B348-2C593D52BE54}" type="datetime1">
               <a:rPr lang="nl-BE" smtClean="0"/>
-              <a:t>16/09/2020</a:t>
+              <a:t>2/05/2023</a:t>
             </a:fld>
             <a:endParaRPr lang="nl-BE" dirty="0"/>
           </a:p>
@@ -6727,10 +6728,9 @@
           <a:lstStyle/>
           <a:p>
             <a:r>
-              <a:rPr lang="nl-BE"/>
-              <a:t>Zie Scherp</a:t>
-            </a:r>
-            <a:endParaRPr lang="nl-BE" dirty="0"/>
+              <a:rPr lang="nl-BE" dirty="0"/>
+              <a:t>Zie Scherp Scherper</a:t>
+            </a:r>
           </a:p>
         </p:txBody>
       </p:sp>
@@ -6996,7 +6996,7 @@
           <a:p>
             <a:fld id="{2CF6BB67-8D8F-434F-9FF4-CB7540FA5CCF}" type="datetime1">
               <a:rPr lang="nl-BE" smtClean="0"/>
-              <a:t>16/09/2020</a:t>
+              <a:t>2/05/2023</a:t>
             </a:fld>
             <a:endParaRPr lang="nl-BE"/>
           </a:p>
@@ -7024,8 +7024,8 @@
           <a:lstStyle/>
           <a:p>
             <a:r>
-              <a:rPr lang="nl-BE"/>
-              <a:t>Zie Scherp</a:t>
+              <a:rPr lang="nl-BE" dirty="0"/>
+              <a:t>Zie Scherp Scherper</a:t>
             </a:r>
           </a:p>
         </p:txBody>
@@ -7209,7 +7209,7 @@
           <a:p>
             <a:fld id="{147BFD0D-0FBD-4EE5-844C-0E6C2D5E6C7F}" type="datetime1">
               <a:rPr lang="nl-BE" smtClean="0"/>
-              <a:t>16/09/2020</a:t>
+              <a:t>2/05/2023</a:t>
             </a:fld>
             <a:endParaRPr lang="nl-BE"/>
           </a:p>
@@ -7237,8 +7237,8 @@
           <a:lstStyle/>
           <a:p>
             <a:r>
-              <a:rPr lang="nl-BE"/>
-              <a:t>Zie Scherp</a:t>
+              <a:rPr lang="nl-BE" dirty="0"/>
+              <a:t>Zie Scherp Scherper</a:t>
             </a:r>
           </a:p>
         </p:txBody>
@@ -7442,7 +7442,7 @@
           <a:p>
             <a:fld id="{BBC6551F-B07A-44F4-94BA-F59D63D2C27B}" type="datetime1">
               <a:rPr lang="nl-BE" smtClean="0"/>
-              <a:t>16/09/2020</a:t>
+              <a:t>2/05/2023</a:t>
             </a:fld>
             <a:endParaRPr lang="nl-BE"/>
           </a:p>
@@ -7470,10 +7470,9 @@
           <a:lstStyle/>
           <a:p>
             <a:r>
-              <a:rPr lang="nl-BE"/>
-              <a:t>Zie Scherp</a:t>
-            </a:r>
-            <a:endParaRPr lang="nl-BE" dirty="0"/>
+              <a:rPr lang="nl-BE" dirty="0"/>
+              <a:t>Zie Scherp Scherper</a:t>
+            </a:r>
           </a:p>
         </p:txBody>
       </p:sp>
@@ -7722,7 +7721,7 @@
           <a:p>
             <a:fld id="{2780C136-0C76-4A2C-8EA6-C6738C3209ED}" type="datetime1">
               <a:rPr lang="nl-BE" smtClean="0"/>
-              <a:t>16/09/2020</a:t>
+              <a:t>2/05/2023</a:t>
             </a:fld>
             <a:endParaRPr lang="nl-BE"/>
           </a:p>
@@ -7750,8 +7749,8 @@
           <a:lstStyle/>
           <a:p>
             <a:r>
-              <a:rPr lang="nl-BE"/>
-              <a:t>Zie Scherp</a:t>
+              <a:rPr lang="nl-BE" dirty="0"/>
+              <a:t>Zie Scherp Scherper</a:t>
             </a:r>
           </a:p>
         </p:txBody>
@@ -7993,7 +7992,7 @@
           <a:p>
             <a:fld id="{56C85B3A-6340-4B3D-9DBA-3C3A534F9D72}" type="datetime1">
               <a:rPr lang="nl-BE" smtClean="0"/>
-              <a:t>16/09/2020</a:t>
+              <a:t>2/05/2023</a:t>
             </a:fld>
             <a:endParaRPr lang="nl-BE"/>
           </a:p>
@@ -8021,8 +8020,8 @@
           <a:lstStyle/>
           <a:p>
             <a:r>
-              <a:rPr lang="nl-BE"/>
-              <a:t>Zie Scherp</a:t>
+              <a:rPr lang="nl-BE" dirty="0"/>
+              <a:t>Zie Scherp Scherper</a:t>
             </a:r>
           </a:p>
         </p:txBody>
@@ -8411,7 +8410,7 @@
           <a:p>
             <a:fld id="{3EEAB8EA-6EB4-4343-BBF4-C3D052796CBF}" type="datetime1">
               <a:rPr lang="nl-BE" smtClean="0"/>
-              <a:t>16/09/2020</a:t>
+              <a:t>2/05/2023</a:t>
             </a:fld>
             <a:endParaRPr lang="nl-BE"/>
           </a:p>
@@ -8439,8 +8438,8 @@
           <a:lstStyle/>
           <a:p>
             <a:r>
-              <a:rPr lang="nl-BE"/>
-              <a:t>Zie Scherp</a:t>
+              <a:rPr lang="nl-BE" dirty="0"/>
+              <a:t>Zie Scherp Scherper</a:t>
             </a:r>
           </a:p>
         </p:txBody>
@@ -8556,7 +8555,7 @@
           <a:p>
             <a:fld id="{CA0304BA-24AF-460D-91C1-1D207B849056}" type="datetime1">
               <a:rPr lang="nl-BE" smtClean="0"/>
-              <a:t>16/09/2020</a:t>
+              <a:t>2/05/2023</a:t>
             </a:fld>
             <a:endParaRPr lang="nl-BE"/>
           </a:p>
@@ -8584,8 +8583,8 @@
           <a:lstStyle/>
           <a:p>
             <a:r>
-              <a:rPr lang="nl-BE"/>
-              <a:t>Zie Scherp</a:t>
+              <a:rPr lang="nl-BE" dirty="0"/>
+              <a:t>Zie Scherp Scherper</a:t>
             </a:r>
           </a:p>
         </p:txBody>
@@ -8795,7 +8794,7 @@
           <a:p>
             <a:fld id="{F1DE6926-B650-4BF9-8F10-127EAD338B93}" type="datetime1">
               <a:rPr lang="nl-BE" smtClean="0"/>
-              <a:t>16/09/2020</a:t>
+              <a:t>2/05/2023</a:t>
             </a:fld>
             <a:endParaRPr lang="nl-BE"/>
           </a:p>
@@ -8823,8 +8822,8 @@
           <a:lstStyle/>
           <a:p>
             <a:r>
-              <a:rPr lang="nl-BE"/>
-              <a:t>Zie Scherp</a:t>
+              <a:rPr lang="nl-BE" dirty="0"/>
+              <a:t>Zie Scherp Scherper</a:t>
             </a:r>
           </a:p>
         </p:txBody>
@@ -9111,7 +9110,7 @@
           <a:p>
             <a:fld id="{E5FC8B8E-6649-4680-97A0-578157D38199}" type="datetime1">
               <a:rPr lang="nl-BE" smtClean="0"/>
-              <a:t>16/09/2020</a:t>
+              <a:t>2/05/2023</a:t>
             </a:fld>
             <a:endParaRPr lang="nl-BE"/>
           </a:p>
@@ -9139,8 +9138,8 @@
           <a:lstStyle/>
           <a:p>
             <a:r>
-              <a:rPr lang="nl-BE"/>
-              <a:t>Zie Scherp</a:t>
+              <a:rPr lang="nl-BE" dirty="0"/>
+              <a:t>Zie Scherp Scherper</a:t>
             </a:r>
           </a:p>
         </p:txBody>
@@ -9407,7 +9406,7 @@
           <a:p>
             <a:fld id="{EBEC64FC-DBFC-4BC4-90ED-A9A519DDE6A1}" type="datetime1">
               <a:rPr lang="nl-BE" smtClean="0"/>
-              <a:t>16/09/2020</a:t>
+              <a:t>2/05/2023</a:t>
             </a:fld>
             <a:endParaRPr lang="nl-BE"/>
           </a:p>
@@ -9435,8 +9434,8 @@
           <a:lstStyle/>
           <a:p>
             <a:r>
-              <a:rPr lang="nl-BE"/>
-              <a:t>Zie Scherp</a:t>
+              <a:rPr lang="nl-BE" dirty="0"/>
+              <a:t>Zie Scherp Scherper</a:t>
             </a:r>
           </a:p>
         </p:txBody>
@@ -9653,7 +9652,7 @@
           <a:p>
             <a:fld id="{DBC0937C-F722-4570-AB64-D1FB4CE6186D}" type="datetime1">
               <a:rPr lang="nl-BE" smtClean="0"/>
-              <a:t>16/09/2020</a:t>
+              <a:t>2/05/2023</a:t>
             </a:fld>
             <a:endParaRPr lang="nl-BE"/>
           </a:p>
@@ -9699,10 +9698,9 @@
           </a:lstStyle>
           <a:p>
             <a:r>
-              <a:rPr lang="nl-BE"/>
-              <a:t>Zie Scherp</a:t>
-            </a:r>
-            <a:endParaRPr lang="nl-BE" dirty="0"/>
+              <a:rPr lang="nl-BE" dirty="0"/>
+              <a:t>Zie Scherp Scherper</a:t>
+            </a:r>
           </a:p>
         </p:txBody>
       </p:sp>
@@ -10554,10 +10552,9 @@
           <a:lstStyle/>
           <a:p>
             <a:r>
-              <a:rPr lang="nl-BE"/>
-              <a:t>Zie Scherp</a:t>
-            </a:r>
-            <a:endParaRPr lang="nl-BE" dirty="0"/>
+              <a:rPr lang="nl-BE" dirty="0"/>
+              <a:t>Zie Scherp Scherper</a:t>
+            </a:r>
           </a:p>
         </p:txBody>
       </p:sp>
@@ -10954,10 +10951,9 @@
           <a:lstStyle/>
           <a:p>
             <a:r>
-              <a:rPr lang="nl-BE"/>
-              <a:t>Zie Scherp</a:t>
-            </a:r>
-            <a:endParaRPr lang="nl-BE" dirty="0"/>
+              <a:rPr lang="nl-BE" dirty="0"/>
+              <a:t>Zie Scherp Scherper</a:t>
+            </a:r>
           </a:p>
         </p:txBody>
       </p:sp>
@@ -11354,10 +11350,9 @@
           <a:lstStyle/>
           <a:p>
             <a:r>
-              <a:rPr lang="nl-BE"/>
-              <a:t>Zie Scherp</a:t>
-            </a:r>
-            <a:endParaRPr lang="nl-BE" dirty="0"/>
+              <a:rPr lang="nl-BE" dirty="0"/>
+              <a:t>Zie Scherp Scherper</a:t>
+            </a:r>
           </a:p>
         </p:txBody>
       </p:sp>
@@ -11821,10 +11816,9 @@
           <a:lstStyle/>
           <a:p>
             <a:r>
-              <a:rPr lang="nl-BE"/>
-              <a:t>Zie Scherp</a:t>
-            </a:r>
-            <a:endParaRPr lang="nl-BE" dirty="0"/>
+              <a:rPr lang="nl-BE" dirty="0"/>
+              <a:t>Zie Scherp Scherper</a:t>
+            </a:r>
           </a:p>
         </p:txBody>
       </p:sp>
@@ -11861,6 +11855,302 @@
     <p:extLst>
       <p:ext uri="{BB962C8B-B14F-4D97-AF65-F5344CB8AC3E}">
         <p14:creationId xmlns:p14="http://schemas.microsoft.com/office/powerpoint/2010/main" val="3263368687"/>
+      </p:ext>
+    </p:extLst>
+  </p:cSld>
+  <p:clrMapOvr>
+    <a:masterClrMapping/>
+  </p:clrMapOvr>
+</p:sld>
+</file>
+
+<file path=ppt/slides/slide14.xml><?xml version="1.0" encoding="utf-8"?>
+<p:sld xmlns:a="http://schemas.openxmlformats.org/drawingml/2006/main" xmlns:r="http://schemas.openxmlformats.org/officeDocument/2006/relationships" xmlns:p="http://schemas.openxmlformats.org/presentationml/2006/main">
+  <p:cSld>
+    <p:spTree>
+      <p:nvGrpSpPr>
+        <p:cNvPr id="1" name=""/>
+        <p:cNvGrpSpPr/>
+        <p:nvPr/>
+      </p:nvGrpSpPr>
+      <p:grpSpPr>
+        <a:xfrm>
+          <a:off x="0" y="0"/>
+          <a:ext cx="0" cy="0"/>
+          <a:chOff x="0" y="0"/>
+          <a:chExt cx="0" cy="0"/>
+        </a:xfrm>
+      </p:grpSpPr>
+      <p:sp>
+        <p:nvSpPr>
+          <p:cNvPr id="6" name="Rechthoek 5">
+            <a:extLst>
+              <a:ext uri="{FF2B5EF4-FFF2-40B4-BE49-F238E27FC236}">
+                <a16:creationId xmlns:a16="http://schemas.microsoft.com/office/drawing/2014/main" id="{C1CC89C1-DC1E-917B-D25E-69B5776D404F}"/>
+              </a:ext>
+            </a:extLst>
+          </p:cNvPr>
+          <p:cNvSpPr/>
+          <p:nvPr/>
+        </p:nvSpPr>
+        <p:spPr>
+          <a:xfrm>
+            <a:off x="838200" y="5085184"/>
+            <a:ext cx="10658400" cy="864096"/>
+          </a:xfrm>
+          <a:prstGeom prst="rect">
+            <a:avLst/>
+          </a:prstGeom>
+        </p:spPr>
+        <p:style>
+          <a:lnRef idx="2">
+            <a:schemeClr val="accent4">
+              <a:shade val="50000"/>
+            </a:schemeClr>
+          </a:lnRef>
+          <a:fillRef idx="1">
+            <a:schemeClr val="accent4"/>
+          </a:fillRef>
+          <a:effectRef idx="0">
+            <a:schemeClr val="accent4"/>
+          </a:effectRef>
+          <a:fontRef idx="minor">
+            <a:schemeClr val="lt1"/>
+          </a:fontRef>
+        </p:style>
+        <p:txBody>
+          <a:bodyPr rtlCol="0" anchor="ctr"/>
+          <a:lstStyle/>
+          <a:p>
+            <a:pPr algn="ctr"/>
+            <a:endParaRPr lang="nl-NL"/>
+          </a:p>
+        </p:txBody>
+      </p:sp>
+      <p:sp>
+        <p:nvSpPr>
+          <p:cNvPr id="2" name="Titel 1">
+            <a:extLst>
+              <a:ext uri="{FF2B5EF4-FFF2-40B4-BE49-F238E27FC236}">
+                <a16:creationId xmlns:a16="http://schemas.microsoft.com/office/drawing/2014/main" id="{6F8E1924-B892-8B5A-7836-BE57C96EF1D8}"/>
+              </a:ext>
+            </a:extLst>
+          </p:cNvPr>
+          <p:cNvSpPr>
+            <a:spLocks noGrp="1"/>
+          </p:cNvSpPr>
+          <p:nvPr>
+            <p:ph type="title"/>
+          </p:nvPr>
+        </p:nvSpPr>
+        <p:spPr/>
+        <p:txBody>
+          <a:bodyPr/>
+          <a:lstStyle/>
+          <a:p>
+            <a:r>
+              <a:rPr lang="en-US" dirty="0"/>
+              <a:t>Meer info</a:t>
+            </a:r>
+            <a:endParaRPr lang="nl-NL" dirty="0"/>
+          </a:p>
+        </p:txBody>
+      </p:sp>
+      <p:sp>
+        <p:nvSpPr>
+          <p:cNvPr id="3" name="Tijdelijke aanduiding voor inhoud 2">
+            <a:extLst>
+              <a:ext uri="{FF2B5EF4-FFF2-40B4-BE49-F238E27FC236}">
+                <a16:creationId xmlns:a16="http://schemas.microsoft.com/office/drawing/2014/main" id="{E732A4CC-42D6-F95B-C0C5-FF2A05D19786}"/>
+              </a:ext>
+            </a:extLst>
+          </p:cNvPr>
+          <p:cNvSpPr>
+            <a:spLocks noGrp="1"/>
+          </p:cNvSpPr>
+          <p:nvPr>
+            <p:ph idx="1"/>
+          </p:nvPr>
+        </p:nvSpPr>
+        <p:spPr>
+          <a:xfrm>
+            <a:off x="838200" y="1825624"/>
+            <a:ext cx="10515600" cy="4267671"/>
+          </a:xfrm>
+        </p:spPr>
+        <p:txBody>
+          <a:bodyPr>
+            <a:normAutofit fontScale="92500" lnSpcReduction="10000"/>
+          </a:bodyPr>
+          <a:lstStyle/>
+          <a:p>
+            <a:r>
+              <a:rPr lang="nl-BE" dirty="0"/>
+              <a:t>Slides gemaakt door </a:t>
+            </a:r>
+          </a:p>
+          <a:p>
+            <a:pPr lvl="1"/>
+            <a:r>
+              <a:rPr lang="nl-BE" dirty="0"/>
+              <a:t>Tim Dams (</a:t>
+            </a:r>
+            <a:r>
+              <a:rPr lang="nl-BE" dirty="0">
+                <a:hlinkClick r:id="rId2" action="ppaction://hlinkfile"/>
+              </a:rPr>
+              <a:t>ziescherp.be</a:t>
+            </a:r>
+            <a:r>
+              <a:rPr lang="nl-BE" dirty="0"/>
+              <a:t>), AP Hogeschool opleidingen elektronica-</a:t>
+            </a:r>
+            <a:r>
+              <a:rPr lang="nl-BE" dirty="0" err="1"/>
+              <a:t>ict</a:t>
+            </a:r>
+            <a:r>
+              <a:rPr lang="nl-BE" dirty="0"/>
+              <a:t> en toegepaste informatica</a:t>
+            </a:r>
+          </a:p>
+          <a:p>
+            <a:pPr lvl="1"/>
+            <a:endParaRPr lang="nl-BE" dirty="0"/>
+          </a:p>
+          <a:p>
+            <a:r>
+              <a:rPr lang="nl-BE" dirty="0"/>
+              <a:t>Sommige slides gebaseerd of gekopieerd van slidedecks van:</a:t>
+            </a:r>
+          </a:p>
+          <a:p>
+            <a:pPr lvl="1"/>
+            <a:r>
+              <a:rPr lang="nl-BE" sz="2200" dirty="0"/>
+              <a:t>Programmeren in C# door Douglas Bell en Mike Parr (vert. Kris Hermans)</a:t>
+            </a:r>
+          </a:p>
+          <a:p>
+            <a:pPr lvl="1"/>
+            <a:r>
+              <a:rPr lang="nl-BE" sz="2200" dirty="0"/>
+              <a:t>Microsoft Visual C# 2015: An </a:t>
+            </a:r>
+            <a:r>
+              <a:rPr lang="nl-BE" sz="2200" dirty="0" err="1"/>
+              <a:t>Introduction</a:t>
+            </a:r>
+            <a:r>
+              <a:rPr lang="nl-BE" sz="2200" dirty="0"/>
+              <a:t> </a:t>
+            </a:r>
+            <a:r>
+              <a:rPr lang="nl-BE" sz="2200" dirty="0" err="1"/>
+              <a:t>to</a:t>
+            </a:r>
+            <a:r>
+              <a:rPr lang="nl-BE" sz="2200" dirty="0"/>
+              <a:t> Object-</a:t>
+            </a:r>
+            <a:r>
+              <a:rPr lang="nl-BE" sz="2200" dirty="0" err="1"/>
+              <a:t>Oriented</a:t>
+            </a:r>
+            <a:r>
+              <a:rPr lang="nl-BE" sz="2200" dirty="0"/>
+              <a:t> Programming door Joyce </a:t>
+            </a:r>
+            <a:r>
+              <a:rPr lang="nl-BE" sz="2200" dirty="0" err="1"/>
+              <a:t>Farrell</a:t>
+            </a:r>
+            <a:endParaRPr lang="nl-BE" sz="2200" dirty="0"/>
+          </a:p>
+          <a:p>
+            <a:pPr lvl="1"/>
+            <a:r>
+              <a:rPr lang="nl-BE" dirty="0"/>
+              <a:t>E.a.</a:t>
+            </a:r>
+          </a:p>
+          <a:p>
+            <a:pPr lvl="1"/>
+            <a:endParaRPr lang="nl-BE" dirty="0"/>
+          </a:p>
+          <a:p>
+            <a:pPr lvl="1"/>
+            <a:endParaRPr lang="nl-BE" dirty="0"/>
+          </a:p>
+          <a:p>
+            <a:r>
+              <a:rPr lang="nl-BE" b="1" dirty="0"/>
+              <a:t>Slides mogen aangepast worden, op voorwaarde dat deze slide steeds achteraan de slidedeck staat.</a:t>
+            </a:r>
+          </a:p>
+        </p:txBody>
+      </p:sp>
+      <p:sp>
+        <p:nvSpPr>
+          <p:cNvPr id="4" name="Tijdelijke aanduiding voor voettekst 3">
+            <a:extLst>
+              <a:ext uri="{FF2B5EF4-FFF2-40B4-BE49-F238E27FC236}">
+                <a16:creationId xmlns:a16="http://schemas.microsoft.com/office/drawing/2014/main" id="{4C3978F3-3532-3F17-E9AB-E248272BA1E3}"/>
+              </a:ext>
+            </a:extLst>
+          </p:cNvPr>
+          <p:cNvSpPr>
+            <a:spLocks noGrp="1"/>
+          </p:cNvSpPr>
+          <p:nvPr>
+            <p:ph type="ftr" sz="quarter" idx="11"/>
+          </p:nvPr>
+        </p:nvSpPr>
+        <p:spPr/>
+        <p:txBody>
+          <a:bodyPr/>
+          <a:lstStyle/>
+          <a:p>
+            <a:r>
+              <a:rPr lang="nl-BE" dirty="0"/>
+              <a:t>Zie Scherp Scherper</a:t>
+            </a:r>
+          </a:p>
+        </p:txBody>
+      </p:sp>
+      <p:sp>
+        <p:nvSpPr>
+          <p:cNvPr id="5" name="Tijdelijke aanduiding voor dianummer 4">
+            <a:extLst>
+              <a:ext uri="{FF2B5EF4-FFF2-40B4-BE49-F238E27FC236}">
+                <a16:creationId xmlns:a16="http://schemas.microsoft.com/office/drawing/2014/main" id="{9769B4E3-C3FC-8575-9CA3-EE3F06738607}"/>
+              </a:ext>
+            </a:extLst>
+          </p:cNvPr>
+          <p:cNvSpPr>
+            <a:spLocks noGrp="1"/>
+          </p:cNvSpPr>
+          <p:nvPr>
+            <p:ph type="sldNum" sz="quarter" idx="12"/>
+          </p:nvPr>
+        </p:nvSpPr>
+        <p:spPr/>
+        <p:txBody>
+          <a:bodyPr/>
+          <a:lstStyle/>
+          <a:p>
+            <a:fld id="{E8A62353-F7CD-46ED-8877-B27D0E33FCF8}" type="slidenum">
+              <a:rPr lang="nl-BE" smtClean="0"/>
+              <a:t>14</a:t>
+            </a:fld>
+            <a:endParaRPr lang="nl-BE"/>
+          </a:p>
+        </p:txBody>
+      </p:sp>
+    </p:spTree>
+    <p:extLst>
+      <p:ext uri="{BB962C8B-B14F-4D97-AF65-F5344CB8AC3E}">
+        <p14:creationId xmlns:p14="http://schemas.microsoft.com/office/powerpoint/2010/main" val="106072752"/>
       </p:ext>
     </p:extLst>
   </p:cSld>
@@ -12104,10 +12394,9 @@
           <a:lstStyle/>
           <a:p>
             <a:r>
-              <a:rPr lang="nl-BE"/>
-              <a:t>Zie Scherp</a:t>
-            </a:r>
-            <a:endParaRPr lang="nl-BE" dirty="0"/>
+              <a:rPr lang="nl-BE" dirty="0"/>
+              <a:t>Zie Scherp Scherper</a:t>
+            </a:r>
           </a:p>
         </p:txBody>
       </p:sp>
@@ -12287,10 +12576,9 @@
           <a:lstStyle/>
           <a:p>
             <a:r>
-              <a:rPr lang="nl-BE"/>
-              <a:t>Zie Scherp</a:t>
-            </a:r>
-            <a:endParaRPr lang="nl-BE" dirty="0"/>
+              <a:rPr lang="nl-BE" dirty="0"/>
+              <a:t>Zie Scherp Scherper</a:t>
+            </a:r>
           </a:p>
         </p:txBody>
       </p:sp>
@@ -12466,10 +12754,9 @@
           <a:lstStyle/>
           <a:p>
             <a:r>
-              <a:rPr lang="nl-BE"/>
-              <a:t>Zie Scherp</a:t>
-            </a:r>
-            <a:endParaRPr lang="nl-BE" dirty="0"/>
+              <a:rPr lang="nl-BE" dirty="0"/>
+              <a:t>Zie Scherp Scherper</a:t>
+            </a:r>
           </a:p>
         </p:txBody>
       </p:sp>
@@ -12747,10 +13034,9 @@
           <a:lstStyle/>
           <a:p>
             <a:r>
-              <a:rPr lang="nl-BE"/>
-              <a:t>Zie Scherp</a:t>
-            </a:r>
-            <a:endParaRPr lang="nl-BE" dirty="0"/>
+              <a:rPr lang="nl-BE" dirty="0"/>
+              <a:t>Zie Scherp Scherper</a:t>
+            </a:r>
           </a:p>
         </p:txBody>
       </p:sp>
@@ -12922,10 +13208,9 @@
           <a:lstStyle/>
           <a:p>
             <a:r>
-              <a:rPr lang="nl-BE"/>
-              <a:t>Zie Scherp</a:t>
-            </a:r>
-            <a:endParaRPr lang="nl-BE" dirty="0"/>
+              <a:rPr lang="nl-BE" dirty="0"/>
+              <a:t>Zie Scherp Scherper</a:t>
+            </a:r>
           </a:p>
         </p:txBody>
       </p:sp>
@@ -13319,10 +13604,9 @@
           <a:lstStyle/>
           <a:p>
             <a:r>
-              <a:rPr lang="nl-BE"/>
-              <a:t>Zie Scherp</a:t>
-            </a:r>
-            <a:endParaRPr lang="nl-BE" dirty="0"/>
+              <a:rPr lang="nl-BE" dirty="0"/>
+              <a:t>Zie Scherp Scherper</a:t>
+            </a:r>
           </a:p>
         </p:txBody>
       </p:sp>
@@ -13453,10 +13737,9 @@
           <a:lstStyle/>
           <a:p>
             <a:r>
-              <a:rPr lang="nl-BE"/>
-              <a:t>Zie scherp</a:t>
-            </a:r>
-            <a:endParaRPr lang="nl-BE" dirty="0"/>
+              <a:rPr lang="nl-BE" dirty="0"/>
+              <a:t>Zie Scherp Scherper</a:t>
+            </a:r>
           </a:p>
         </p:txBody>
       </p:sp>
@@ -13895,10 +14178,9 @@
           <a:lstStyle/>
           <a:p>
             <a:r>
-              <a:rPr lang="nl-BE"/>
-              <a:t>Zie Scherp</a:t>
-            </a:r>
-            <a:endParaRPr lang="nl-BE" dirty="0"/>
+              <a:rPr lang="nl-BE" dirty="0"/>
+              <a:t>Zie Scherp Scherper</a:t>
+            </a:r>
           </a:p>
         </p:txBody>
       </p:sp>
